--- a/11_潘振中.pptx
+++ b/11_潘振中.pptx
@@ -4847,25 +4847,43 @@
               <a:rPr lang="en-US" altLang="zh-TW" sz="3200" dirty="0">
                 <a:ea typeface="新細明體"/>
               </a:rPr>
+              <a:t>, Keypad, </a:t>
+            </a:r>
+            <a:r>
+              <a:rPr lang="zh-TW" altLang="en-US" sz="3200" dirty="0">
+                <a:ea typeface="新細明體"/>
+              </a:rPr>
+              <a:t>分數顯示</a:t>
+            </a:r>
+            <a:r>
+              <a:rPr lang="en-US" altLang="zh-TW" sz="3200" dirty="0">
+                <a:ea typeface="新細明體"/>
+              </a:rPr>
               <a:t>, </a:t>
             </a:r>
             <a:r>
+              <a:rPr lang="zh-TW" altLang="en-US" sz="3200" dirty="0">
+                <a:ea typeface="新細明體"/>
+              </a:rPr>
+              <a:t>元</a:t>
+            </a:r>
+            <a:r>
+              <a:rPr lang="en-US" altLang="zh-TW" sz="3200" dirty="0">
+                <a:ea typeface="新細明體"/>
+              </a:rPr>
+              <a:t>件</a:t>
+            </a:r>
+            <a:r>
+              <a:rPr lang="zh-TW" altLang="en-US" sz="3200" dirty="0">
+                <a:ea typeface="新細明體"/>
+              </a:rPr>
+              <a:t>分工與</a:t>
+            </a:r>
+            <a:r>
               <a:rPr lang="en-US" altLang="zh-TW" sz="3200" dirty="0" err="1">
                 <a:ea typeface="新細明體"/>
               </a:rPr>
-              <a:t>除頻器</a:t>
-            </a:r>
-            <a:r>
-              <a:rPr lang="en-US" altLang="zh-TW" sz="3200" dirty="0">
-                <a:ea typeface="新細明體"/>
-              </a:rPr>
-              <a:t>, </a:t>
-            </a:r>
-            <a:r>
-              <a:rPr lang="en-US" altLang="zh-TW" sz="3200" dirty="0" err="1">
-                <a:ea typeface="新細明體"/>
-              </a:rPr>
-              <a:t>物件位置資訊整合</a:t>
+              <a:t>整合</a:t>
             </a:r>
             <a:endParaRPr lang="en-US" altLang="zh-TW" sz="3200" dirty="0">
               <a:solidFill>

--- a/11_潘振中.pptx
+++ b/11_潘振中.pptx
@@ -4595,31 +4595,6 @@
       </p:sp>
       <p:sp>
         <p:nvSpPr>
-          <p:cNvPr id="3" name="內容版面配置區 2">
-            <a:extLst>
-              <a:ext uri="{FF2B5EF4-FFF2-40B4-BE49-F238E27FC236}">
-                <a16:creationId xmlns:a16="http://schemas.microsoft.com/office/drawing/2014/main" id="{C36ADB6D-AE1B-7E72-AEA3-EFFCF1FD05D8}"/>
-              </a:ext>
-            </a:extLst>
-          </p:cNvPr>
-          <p:cNvSpPr>
-            <a:spLocks noGrp="1"/>
-          </p:cNvSpPr>
-          <p:nvPr>
-            <p:ph idx="1"/>
-          </p:nvPr>
-        </p:nvSpPr>
-        <p:spPr/>
-        <p:txBody>
-          <a:bodyPr/>
-          <a:lstStyle/>
-          <a:p>
-            <a:endParaRPr lang="zh-TW" altLang="en-US"/>
-          </a:p>
-        </p:txBody>
-      </p:sp>
-      <p:sp>
-        <p:nvSpPr>
           <p:cNvPr id="4" name="文字方塊 3">
             <a:extLst>
               <a:ext uri="{FF2B5EF4-FFF2-40B4-BE49-F238E27FC236}">
@@ -4652,7 +4627,7 @@
             <a:r>
               <a:rPr lang="zh-TW" altLang="en-US" dirty="0">
                 <a:ea typeface="新細明體"/>
-                <a:hlinkClick r:id="rId2"/>
+                <a:hlinkClick r:id="rId3"/>
               </a:rPr>
               <a:t>Github點這裡</a:t>
             </a:r>
@@ -4661,6 +4636,77 @@
                 <a:ea typeface="新細明體"/>
               </a:rPr>
               <a:t> </a:t>
+            </a:r>
+            <a:endParaRPr lang="zh-TW" altLang="en-US" dirty="0"/>
+          </a:p>
+        </p:txBody>
+      </p:sp>
+      <p:pic>
+        <p:nvPicPr>
+          <p:cNvPr id="5" name="線上媒體 4" title="數位電路實驗期末專題 第11組">
+            <a:hlinkClick r:id="" action="ppaction://media"/>
+            <a:extLst>
+              <a:ext uri="{FF2B5EF4-FFF2-40B4-BE49-F238E27FC236}">
+                <a16:creationId xmlns:a16="http://schemas.microsoft.com/office/drawing/2014/main" id="{31885469-129F-5C71-2C28-68ADFCC30F2C}"/>
+              </a:ext>
+            </a:extLst>
+          </p:cNvPr>
+          <p:cNvPicPr>
+            <a:picLocks noRot="1" noChangeAspect="1"/>
+          </p:cNvPicPr>
+          <p:nvPr>
+            <a:videoFile r:link="rId1"/>
+          </p:nvPr>
+        </p:nvPicPr>
+        <p:blipFill>
+          <a:blip r:embed="rId4"/>
+          <a:stretch>
+            <a:fillRect/>
+          </a:stretch>
+        </p:blipFill>
+        <p:spPr>
+          <a:xfrm>
+            <a:off x="2705099" y="1844955"/>
+            <a:ext cx="6574433" cy="3698119"/>
+          </a:xfrm>
+          <a:prstGeom prst="rect">
+            <a:avLst/>
+          </a:prstGeom>
+        </p:spPr>
+      </p:pic>
+      <p:sp>
+        <p:nvSpPr>
+          <p:cNvPr id="7" name="文字方塊 6">
+            <a:extLst>
+              <a:ext uri="{FF2B5EF4-FFF2-40B4-BE49-F238E27FC236}">
+                <a16:creationId xmlns:a16="http://schemas.microsoft.com/office/drawing/2014/main" id="{5698BA44-35FA-0E2A-042B-54F56BF7D9DA}"/>
+              </a:ext>
+            </a:extLst>
+          </p:cNvPr>
+          <p:cNvSpPr txBox="1"/>
+          <p:nvPr/>
+        </p:nvSpPr>
+        <p:spPr>
+          <a:xfrm>
+            <a:off x="3264824" y="5837905"/>
+            <a:ext cx="6097384" cy="369332"/>
+          </a:xfrm>
+          <a:prstGeom prst="rect">
+            <a:avLst/>
+          </a:prstGeom>
+          <a:noFill/>
+        </p:spPr>
+        <p:txBody>
+          <a:bodyPr wrap="square">
+            <a:spAutoFit/>
+          </a:bodyPr>
+          <a:lstStyle/>
+          <a:p>
+            <a:r>
+              <a:rPr lang="zh-TW" altLang="en-US" dirty="0">
+                <a:hlinkClick r:id="rId5"/>
+              </a:rPr>
+              <a:t>https://www.youtube.com/watch?v=6kSrbPK3bWA</a:t>
             </a:r>
             <a:endParaRPr lang="zh-TW" altLang="en-US" dirty="0"/>
           </a:p>
@@ -4676,6 +4722,141 @@
   <p:clrMapOvr>
     <a:masterClrMapping/>
   </p:clrMapOvr>
+  <p:timing>
+    <p:tnLst>
+      <p:par>
+        <p:cTn id="1" dur="indefinite" restart="never" nodeType="tmRoot">
+          <p:childTnLst>
+            <p:seq concurrent="1" nextAc="seek">
+              <p:cTn id="2" dur="indefinite" nodeType="mainSeq">
+                <p:childTnLst>
+                  <p:par>
+                    <p:cTn id="3" fill="hold">
+                      <p:stCondLst>
+                        <p:cond delay="indefinite"/>
+                      </p:stCondLst>
+                      <p:childTnLst>
+                        <p:par>
+                          <p:cTn id="4" fill="hold">
+                            <p:stCondLst>
+                              <p:cond delay="0"/>
+                            </p:stCondLst>
+                            <p:childTnLst>
+                              <p:par>
+                                <p:cTn id="5" presetID="1" presetClass="mediacall" presetSubtype="0" fill="hold" nodeType="clickEffect">
+                                  <p:stCondLst>
+                                    <p:cond delay="0"/>
+                                  </p:stCondLst>
+                                  <p:childTnLst>
+                                    <p:cmd type="call" cmd="playFrom(0.0)">
+                                      <p:cBhvr>
+                                        <p:cTn id="6" dur="1" fill="hold"/>
+                                        <p:tgtEl>
+                                          <p:spTgt spid="5"/>
+                                        </p:tgtEl>
+                                      </p:cBhvr>
+                                    </p:cmd>
+                                  </p:childTnLst>
+                                </p:cTn>
+                              </p:par>
+                            </p:childTnLst>
+                          </p:cTn>
+                        </p:par>
+                      </p:childTnLst>
+                    </p:cTn>
+                  </p:par>
+                </p:childTnLst>
+              </p:cTn>
+              <p:prevCondLst>
+                <p:cond evt="onPrev" delay="0">
+                  <p:tgtEl>
+                    <p:sldTgt/>
+                  </p:tgtEl>
+                </p:cond>
+              </p:prevCondLst>
+              <p:nextCondLst>
+                <p:cond evt="onNext" delay="0">
+                  <p:tgtEl>
+                    <p:sldTgt/>
+                  </p:tgtEl>
+                </p:cond>
+              </p:nextCondLst>
+            </p:seq>
+            <p:video>
+              <p:cMediaNode vol="80000">
+                <p:cTn id="7" fill="hold" display="0">
+                  <p:stCondLst>
+                    <p:cond delay="indefinite"/>
+                  </p:stCondLst>
+                </p:cTn>
+                <p:tgtEl>
+                  <p:spTgt spid="5"/>
+                </p:tgtEl>
+              </p:cMediaNode>
+            </p:video>
+            <p:seq concurrent="1" nextAc="seek">
+              <p:cTn id="8" restart="whenNotActive" fill="hold" evtFilter="cancelBubble" nodeType="interactiveSeq">
+                <p:stCondLst>
+                  <p:cond evt="onClick" delay="0">
+                    <p:tgtEl>
+                      <p:spTgt spid="5"/>
+                    </p:tgtEl>
+                  </p:cond>
+                </p:stCondLst>
+                <p:endSync evt="end" delay="0">
+                  <p:rtn val="all"/>
+                </p:endSync>
+                <p:childTnLst>
+                  <p:par>
+                    <p:cTn id="9" fill="hold">
+                      <p:stCondLst>
+                        <p:cond delay="0"/>
+                      </p:stCondLst>
+                      <p:childTnLst>
+                        <p:par>
+                          <p:cTn id="10" fill="hold">
+                            <p:stCondLst>
+                              <p:cond delay="0"/>
+                            </p:stCondLst>
+                            <p:childTnLst>
+                              <p:par>
+                                <p:cTn id="11" presetID="2" presetClass="mediacall" presetSubtype="0" fill="hold" nodeType="clickEffect">
+                                  <p:stCondLst>
+                                    <p:cond delay="0"/>
+                                  </p:stCondLst>
+                                  <p:childTnLst>
+                                    <p:cmd type="call" cmd="togglePause">
+                                      <p:cBhvr>
+                                        <p:cTn id="12" dur="1" fill="hold"/>
+                                        <p:tgtEl>
+                                          <p:spTgt spid="5"/>
+                                        </p:tgtEl>
+                                      </p:cBhvr>
+                                    </p:cmd>
+                                  </p:childTnLst>
+                                </p:cTn>
+                              </p:par>
+                            </p:childTnLst>
+                          </p:cTn>
+                        </p:par>
+                      </p:childTnLst>
+                    </p:cTn>
+                  </p:par>
+                </p:childTnLst>
+              </p:cTn>
+              <p:nextCondLst>
+                <p:cond evt="onClick" delay="0">
+                  <p:tgtEl>
+                    <p:spTgt spid="5"/>
+                  </p:tgtEl>
+                </p:cond>
+              </p:nextCondLst>
+            </p:seq>
+          </p:childTnLst>
+        </p:cTn>
+      </p:par>
+    </p:tnLst>
+  </p:timing>
 </p:sld>
 </file>
 
